--- a/website/docs/static/kyverno-chainsaw-logo.pptx
+++ b/website/docs/static/kyverno-chainsaw-logo.pptx
@@ -5,12 +5,8 @@
     <p:sldMasterId id="2147483648" r:id="rId1"/>
   </p:sldMasterIdLst>
   <p:sldIdLst>
-    <p:sldId id="273" r:id="rId2"/>
-    <p:sldId id="271" r:id="rId3"/>
-    <p:sldId id="266" r:id="rId4"/>
-    <p:sldId id="261" r:id="rId5"/>
-    <p:sldId id="269" r:id="rId6"/>
-    <p:sldId id="270" r:id="rId7"/>
+    <p:sldId id="274" r:id="rId2"/>
+    <p:sldId id="275" r:id="rId3"/>
   </p:sldIdLst>
   <p:sldSz cx="12192000" cy="6858000"/>
   <p:notesSz cx="6858000" cy="9144000"/>
@@ -264,7 +260,7 @@
           <a:p>
             <a:fld id="{6A332B9E-5CA3-2C4B-BC08-DE47B91FF319}" type="datetimeFigureOut">
               <a:rPr lang="en-US" smtClean="0"/>
-              <a:t>10/30/23</a:t>
+              <a:t>10/31/23</a:t>
             </a:fld>
             <a:endParaRPr lang="en-US"/>
           </a:p>
@@ -462,7 +458,7 @@
           <a:p>
             <a:fld id="{6A332B9E-5CA3-2C4B-BC08-DE47B91FF319}" type="datetimeFigureOut">
               <a:rPr lang="en-US" smtClean="0"/>
-              <a:t>10/30/23</a:t>
+              <a:t>10/31/23</a:t>
             </a:fld>
             <a:endParaRPr lang="en-US"/>
           </a:p>
@@ -670,7 +666,7 @@
           <a:p>
             <a:fld id="{6A332B9E-5CA3-2C4B-BC08-DE47B91FF319}" type="datetimeFigureOut">
               <a:rPr lang="en-US" smtClean="0"/>
-              <a:t>10/30/23</a:t>
+              <a:t>10/31/23</a:t>
             </a:fld>
             <a:endParaRPr lang="en-US"/>
           </a:p>
@@ -868,7 +864,7 @@
           <a:p>
             <a:fld id="{6A332B9E-5CA3-2C4B-BC08-DE47B91FF319}" type="datetimeFigureOut">
               <a:rPr lang="en-US" smtClean="0"/>
-              <a:t>10/30/23</a:t>
+              <a:t>10/31/23</a:t>
             </a:fld>
             <a:endParaRPr lang="en-US"/>
           </a:p>
@@ -1143,7 +1139,7 @@
           <a:p>
             <a:fld id="{6A332B9E-5CA3-2C4B-BC08-DE47B91FF319}" type="datetimeFigureOut">
               <a:rPr lang="en-US" smtClean="0"/>
-              <a:t>10/30/23</a:t>
+              <a:t>10/31/23</a:t>
             </a:fld>
             <a:endParaRPr lang="en-US"/>
           </a:p>
@@ -1408,7 +1404,7 @@
           <a:p>
             <a:fld id="{6A332B9E-5CA3-2C4B-BC08-DE47B91FF319}" type="datetimeFigureOut">
               <a:rPr lang="en-US" smtClean="0"/>
-              <a:t>10/30/23</a:t>
+              <a:t>10/31/23</a:t>
             </a:fld>
             <a:endParaRPr lang="en-US"/>
           </a:p>
@@ -1820,7 +1816,7 @@
           <a:p>
             <a:fld id="{6A332B9E-5CA3-2C4B-BC08-DE47B91FF319}" type="datetimeFigureOut">
               <a:rPr lang="en-US" smtClean="0"/>
-              <a:t>10/30/23</a:t>
+              <a:t>10/31/23</a:t>
             </a:fld>
             <a:endParaRPr lang="en-US"/>
           </a:p>
@@ -1961,7 +1957,7 @@
           <a:p>
             <a:fld id="{6A332B9E-5CA3-2C4B-BC08-DE47B91FF319}" type="datetimeFigureOut">
               <a:rPr lang="en-US" smtClean="0"/>
-              <a:t>10/30/23</a:t>
+              <a:t>10/31/23</a:t>
             </a:fld>
             <a:endParaRPr lang="en-US"/>
           </a:p>
@@ -2074,7 +2070,7 @@
           <a:p>
             <a:fld id="{6A332B9E-5CA3-2C4B-BC08-DE47B91FF319}" type="datetimeFigureOut">
               <a:rPr lang="en-US" smtClean="0"/>
-              <a:t>10/30/23</a:t>
+              <a:t>10/31/23</a:t>
             </a:fld>
             <a:endParaRPr lang="en-US"/>
           </a:p>
@@ -2385,7 +2381,7 @@
           <a:p>
             <a:fld id="{6A332B9E-5CA3-2C4B-BC08-DE47B91FF319}" type="datetimeFigureOut">
               <a:rPr lang="en-US" smtClean="0"/>
-              <a:t>10/30/23</a:t>
+              <a:t>10/31/23</a:t>
             </a:fld>
             <a:endParaRPr lang="en-US"/>
           </a:p>
@@ -2673,7 +2669,7 @@
           <a:p>
             <a:fld id="{6A332B9E-5CA3-2C4B-BC08-DE47B91FF319}" type="datetimeFigureOut">
               <a:rPr lang="en-US" smtClean="0"/>
-              <a:t>10/30/23</a:t>
+              <a:t>10/31/23</a:t>
             </a:fld>
             <a:endParaRPr lang="en-US"/>
           </a:p>
@@ -2914,7 +2910,7 @@
           <a:p>
             <a:fld id="{6A332B9E-5CA3-2C4B-BC08-DE47B91FF319}" type="datetimeFigureOut">
               <a:rPr lang="en-US" smtClean="0"/>
-              <a:t>10/30/23</a:t>
+              <a:t>10/31/23</a:t>
             </a:fld>
             <a:endParaRPr lang="en-US"/>
           </a:p>
@@ -3333,10 +3329,10 @@
       </p:grpSpPr>
       <p:pic>
         <p:nvPicPr>
-          <p:cNvPr id="2050" name="Picture 2">
-            <a:extLst>
-              <a:ext uri="{FF2B5EF4-FFF2-40B4-BE49-F238E27FC236}">
-                <a16:creationId xmlns:a16="http://schemas.microsoft.com/office/drawing/2014/main" id="{A2642E9F-A13D-DCB8-E3EE-28EFB8F999CA}"/>
+          <p:cNvPr id="1026" name="Picture 2">
+            <a:extLst>
+              <a:ext uri="{FF2B5EF4-FFF2-40B4-BE49-F238E27FC236}">
+                <a16:creationId xmlns:a16="http://schemas.microsoft.com/office/drawing/2014/main" id="{4CB12D7F-A174-062E-8371-0B2F473D781B}"/>
               </a:ext>
             </a:extLst>
           </p:cNvPr>
@@ -3360,8 +3356,8 @@
         </p:blipFill>
         <p:spPr bwMode="auto">
           <a:xfrm>
-            <a:off x="553082" y="957840"/>
-            <a:ext cx="4135271" cy="4135271"/>
+            <a:off x="2667000" y="0"/>
+            <a:ext cx="6858000" cy="6858000"/>
           </a:xfrm>
           <a:prstGeom prst="rect">
             <a:avLst/>
@@ -3380,10 +3376,10 @@
       </p:pic>
       <p:pic>
         <p:nvPicPr>
-          <p:cNvPr id="6" name="Picture 5" descr="A black and white drawing of a chainsaw&#10;&#10;Description automatically generated">
-            <a:extLst>
-              <a:ext uri="{FF2B5EF4-FFF2-40B4-BE49-F238E27FC236}">
-                <a16:creationId xmlns:a16="http://schemas.microsoft.com/office/drawing/2014/main" id="{E7B9FE72-78C8-B73E-6D32-02E6168EA0EC}"/>
+          <p:cNvPr id="5" name="Graphic 4" descr="Saw blade with solid fill">
+            <a:extLst>
+              <a:ext uri="{FF2B5EF4-FFF2-40B4-BE49-F238E27FC236}">
+                <a16:creationId xmlns:a16="http://schemas.microsoft.com/office/drawing/2014/main" id="{6DBF696B-CF50-9C5A-39A1-03D9195A0D2E}"/>
               </a:ext>
             </a:extLst>
           </p:cNvPr>
@@ -3394,13 +3390,11 @@
         </p:nvPicPr>
         <p:blipFill>
           <a:blip r:embed="rId3">
-            <a:duotone>
-              <a:prstClr val="black"/>
-              <a:srgbClr val="D9C3A5">
-                <a:tint val="50000"/>
-                <a:satMod val="180000"/>
-              </a:srgbClr>
-            </a:duotone>
+            <a:extLst>
+              <a:ext uri="{96DAC541-7B7A-43D3-8B79-37D633B846F1}">
+                <asvg:svgBlip xmlns:asvg="http://schemas.microsoft.com/office/drawing/2016/SVG/main" r:embed="rId4"/>
+              </a:ext>
+            </a:extLst>
           </a:blip>
           <a:stretch>
             <a:fillRect/>
@@ -3408,62 +3402,90 @@
         </p:blipFill>
         <p:spPr>
           <a:xfrm>
-            <a:off x="5929167" y="1909856"/>
-            <a:ext cx="4135271" cy="4135271"/>
+            <a:off x="2445224" y="4867702"/>
+            <a:ext cx="1990298" cy="1990298"/>
           </a:xfrm>
           <a:prstGeom prst="rect">
             <a:avLst/>
           </a:prstGeom>
         </p:spPr>
       </p:pic>
-      <p:sp>
-        <p:nvSpPr>
-          <p:cNvPr id="7" name="TextBox 6">
-            <a:extLst>
-              <a:ext uri="{FF2B5EF4-FFF2-40B4-BE49-F238E27FC236}">
-                <a16:creationId xmlns:a16="http://schemas.microsoft.com/office/drawing/2014/main" id="{B9DF4613-EC35-B569-323B-9B83BB60319A}"/>
-              </a:ext>
-            </a:extLst>
-          </p:cNvPr>
-          <p:cNvSpPr txBox="1"/>
+      <p:pic>
+        <p:nvPicPr>
+          <p:cNvPr id="6" name="Graphic 5" descr="Saw blade with solid fill">
+            <a:extLst>
+              <a:ext uri="{FF2B5EF4-FFF2-40B4-BE49-F238E27FC236}">
+                <a16:creationId xmlns:a16="http://schemas.microsoft.com/office/drawing/2014/main" id="{B1534ED6-4014-39B8-10C4-61BBCF682653}"/>
+              </a:ext>
+            </a:extLst>
+          </p:cNvPr>
+          <p:cNvPicPr>
+            <a:picLocks noChangeAspect="1"/>
+          </p:cNvPicPr>
           <p:nvPr/>
-        </p:nvSpPr>
+        </p:nvPicPr>
+        <p:blipFill>
+          <a:blip r:embed="rId3">
+            <a:extLst>
+              <a:ext uri="{96DAC541-7B7A-43D3-8B79-37D633B846F1}">
+                <asvg:svgBlip xmlns:asvg="http://schemas.microsoft.com/office/drawing/2016/SVG/main" r:embed="rId4"/>
+              </a:ext>
+            </a:extLst>
+          </a:blip>
+          <a:stretch>
+            <a:fillRect/>
+          </a:stretch>
+        </p:blipFill>
         <p:spPr>
           <a:xfrm>
-            <a:off x="4482058" y="1600781"/>
-            <a:ext cx="7029488" cy="1569660"/>
+            <a:off x="5100851" y="4867702"/>
+            <a:ext cx="1990298" cy="1990298"/>
           </a:xfrm>
           <a:prstGeom prst="rect">
             <a:avLst/>
           </a:prstGeom>
-          <a:noFill/>
         </p:spPr>
-        <p:txBody>
-          <a:bodyPr wrap="none" rtlCol="0">
-            <a:spAutoFit/>
-          </a:bodyPr>
-          <a:lstStyle/>
-          <a:p>
-            <a:r>
-              <a:rPr lang="en-US" sz="9600" dirty="0">
-                <a:latin typeface="Lucida Handwriting" panose="03010101010101010101" pitchFamily="66" charset="77"/>
-                <a:ea typeface="Brush Script MT" panose="03060802040406070304" pitchFamily="66" charset="-122"/>
-                <a:cs typeface="Brush Script MT" panose="03060802040406070304" pitchFamily="66" charset="-122"/>
-              </a:rPr>
-              <a:t>Chainsaw</a:t>
-            </a:r>
-            <a:endParaRPr lang="en-US" sz="3200" dirty="0">
-              <a:latin typeface="Lucida Handwriting" panose="03010101010101010101" pitchFamily="66" charset="77"/>
-              <a:ea typeface="Brush Script MT" panose="03060802040406070304" pitchFamily="66" charset="-122"/>
-              <a:cs typeface="Brush Script MT" panose="03060802040406070304" pitchFamily="66" charset="-122"/>
-            </a:endParaRPr>
-          </a:p>
-        </p:txBody>
-      </p:sp>
+      </p:pic>
+      <p:pic>
+        <p:nvPicPr>
+          <p:cNvPr id="7" name="Graphic 6" descr="Saw blade with solid fill">
+            <a:extLst>
+              <a:ext uri="{FF2B5EF4-FFF2-40B4-BE49-F238E27FC236}">
+                <a16:creationId xmlns:a16="http://schemas.microsoft.com/office/drawing/2014/main" id="{24981C60-133E-5707-2CCE-A665B41963DB}"/>
+              </a:ext>
+            </a:extLst>
+          </p:cNvPr>
+          <p:cNvPicPr>
+            <a:picLocks noChangeAspect="1"/>
+          </p:cNvPicPr>
+          <p:nvPr/>
+        </p:nvPicPr>
+        <p:blipFill>
+          <a:blip r:embed="rId3">
+            <a:extLst>
+              <a:ext uri="{96DAC541-7B7A-43D3-8B79-37D633B846F1}">
+                <asvg:svgBlip xmlns:asvg="http://schemas.microsoft.com/office/drawing/2016/SVG/main" r:embed="rId4"/>
+              </a:ext>
+            </a:extLst>
+          </a:blip>
+          <a:stretch>
+            <a:fillRect/>
+          </a:stretch>
+        </p:blipFill>
+        <p:spPr>
+          <a:xfrm>
+            <a:off x="7756478" y="4867702"/>
+            <a:ext cx="1990298" cy="1990298"/>
+          </a:xfrm>
+          <a:prstGeom prst="rect">
+            <a:avLst/>
+          </a:prstGeom>
+        </p:spPr>
+      </p:pic>
     </p:spTree>
     <p:extLst>
       <p:ext uri="{BB962C8B-B14F-4D97-AF65-F5344CB8AC3E}">
-        <p14:creationId xmlns:p14="http://schemas.microsoft.com/office/powerpoint/2010/main" val="2664979605"/>
+        <p14:creationId xmlns:p14="http://schemas.microsoft.com/office/powerpoint/2010/main" val="1847438152"/>
       </p:ext>
     </p:extLst>
   </p:cSld>
@@ -3492,10 +3514,10 @@
       </p:grpSpPr>
       <p:pic>
         <p:nvPicPr>
-          <p:cNvPr id="5" name="Picture 4" descr="A blue and orange logo&#10;&#10;Description automatically generated">
-            <a:extLst>
-              <a:ext uri="{FF2B5EF4-FFF2-40B4-BE49-F238E27FC236}">
-                <a16:creationId xmlns:a16="http://schemas.microsoft.com/office/drawing/2014/main" id="{5526DA06-2673-DAB5-88CB-29488D069486}"/>
+          <p:cNvPr id="13" name="Picture 12">
+            <a:extLst>
+              <a:ext uri="{FF2B5EF4-FFF2-40B4-BE49-F238E27FC236}">
+                <a16:creationId xmlns:a16="http://schemas.microsoft.com/office/drawing/2014/main" id="{7EC10B28-9400-EF34-D444-56812EA58575}"/>
               </a:ext>
             </a:extLst>
           </p:cNvPr>
@@ -3512,8 +3534,8 @@
         </p:blipFill>
         <p:spPr>
           <a:xfrm>
-            <a:off x="2667000" y="0"/>
-            <a:ext cx="6858000" cy="6858000"/>
+            <a:off x="366669" y="1248770"/>
+            <a:ext cx="4651157" cy="4360460"/>
           </a:xfrm>
           <a:prstGeom prst="rect">
             <a:avLst/>
@@ -3522,673 +3544,58 @@
       </p:pic>
       <p:sp>
         <p:nvSpPr>
-          <p:cNvPr id="4" name="Rectangle 3">
-            <a:extLst>
-              <a:ext uri="{FF2B5EF4-FFF2-40B4-BE49-F238E27FC236}">
-                <a16:creationId xmlns:a16="http://schemas.microsoft.com/office/drawing/2014/main" id="{9EA79777-EE71-2575-3713-468C84B0B23B}"/>
-              </a:ext>
-            </a:extLst>
-          </p:cNvPr>
-          <p:cNvSpPr/>
+          <p:cNvPr id="15" name="TextBox 14">
+            <a:extLst>
+              <a:ext uri="{FF2B5EF4-FFF2-40B4-BE49-F238E27FC236}">
+                <a16:creationId xmlns:a16="http://schemas.microsoft.com/office/drawing/2014/main" id="{C7481CB7-4653-FF78-D148-B6F073ED645E}"/>
+              </a:ext>
+            </a:extLst>
+          </p:cNvPr>
+          <p:cNvSpPr txBox="1"/>
           <p:nvPr/>
         </p:nvSpPr>
         <p:spPr>
           <a:xfrm>
-            <a:off x="2324549" y="3783719"/>
-            <a:ext cx="7316344" cy="2773198"/>
+            <a:off x="5017826" y="2497976"/>
+            <a:ext cx="6582251" cy="1862048"/>
           </a:xfrm>
           <a:prstGeom prst="rect">
             <a:avLst/>
           </a:prstGeom>
-          <a:solidFill>
-            <a:schemeClr val="bg1"/>
-          </a:solidFill>
-          <a:ln>
-            <a:solidFill>
-              <a:schemeClr val="bg1"/>
-            </a:solidFill>
-          </a:ln>
+          <a:noFill/>
         </p:spPr>
-        <p:style>
-          <a:lnRef idx="2">
-            <a:schemeClr val="accent1">
-              <a:shade val="15000"/>
-            </a:schemeClr>
-          </a:lnRef>
-          <a:fillRef idx="1">
-            <a:schemeClr val="accent1"/>
-          </a:fillRef>
-          <a:effectRef idx="0">
-            <a:schemeClr val="accent1"/>
-          </a:effectRef>
-          <a:fontRef idx="minor">
-            <a:schemeClr val="lt1"/>
-          </a:fontRef>
-        </p:style>
-        <p:txBody>
-          <a:bodyPr rtlCol="0" anchor="ctr"/>
-          <a:lstStyle/>
-          <a:p>
-            <a:pPr algn="ctr"/>
-            <a:endParaRPr lang="en-US" dirty="0"/>
-          </a:p>
-        </p:txBody>
-      </p:sp>
-      <p:pic>
-        <p:nvPicPr>
-          <p:cNvPr id="3" name="Picture 2" descr="A black and white drawing of a chainsaw&#10;&#10;Description automatically generated">
-            <a:extLst>
-              <a:ext uri="{FF2B5EF4-FFF2-40B4-BE49-F238E27FC236}">
-                <a16:creationId xmlns:a16="http://schemas.microsoft.com/office/drawing/2014/main" id="{B15ABB3C-5341-8EDB-CAF1-C6D807D364DF}"/>
-              </a:ext>
-            </a:extLst>
-          </p:cNvPr>
-          <p:cNvPicPr>
-            <a:picLocks noChangeAspect="1"/>
-          </p:cNvPicPr>
-          <p:nvPr/>
-        </p:nvPicPr>
-        <p:blipFill>
-          <a:blip r:embed="rId3">
-            <a:duotone>
-              <a:prstClr val="black"/>
-              <a:srgbClr val="D9C3A5">
-                <a:tint val="50000"/>
-                <a:satMod val="180000"/>
-              </a:srgbClr>
-            </a:duotone>
-          </a:blip>
-          <a:stretch>
-            <a:fillRect/>
-          </a:stretch>
-        </p:blipFill>
-        <p:spPr>
-          <a:xfrm>
-            <a:off x="2840840" y="1026368"/>
-            <a:ext cx="6858000" cy="6858000"/>
-          </a:xfrm>
-          <a:prstGeom prst="rect">
-            <a:avLst/>
-          </a:prstGeom>
-        </p:spPr>
-      </p:pic>
+        <p:txBody>
+          <a:bodyPr wrap="none" rtlCol="0">
+            <a:spAutoFit/>
+          </a:bodyPr>
+          <a:lstStyle/>
+          <a:p>
+            <a:r>
+              <a:rPr lang="en-US" sz="11500" b="1" dirty="0">
+                <a:solidFill>
+                  <a:srgbClr val="3783C5"/>
+                </a:solidFill>
+                <a:latin typeface="Comic Sans MS" panose="030F0902030302020204" pitchFamily="66" charset="0"/>
+                <a:ea typeface="APPLE LIGOTHIC MEDIUM" pitchFamily="2" charset="-120"/>
+                <a:cs typeface="Baguet Script" panose="020F0502020204030204" pitchFamily="34" charset="0"/>
+              </a:rPr>
+              <a:t>Chainsaw</a:t>
+            </a:r>
+            <a:endParaRPr lang="en-US" sz="4000" b="1" dirty="0">
+              <a:solidFill>
+                <a:srgbClr val="3783C5"/>
+              </a:solidFill>
+              <a:latin typeface="Comic Sans MS" panose="030F0902030302020204" pitchFamily="66" charset="0"/>
+              <a:ea typeface="APPLE LIGOTHIC MEDIUM" pitchFamily="2" charset="-120"/>
+              <a:cs typeface="Baguet Script" panose="020F0502020204030204" pitchFamily="34" charset="0"/>
+            </a:endParaRPr>
+          </a:p>
+        </p:txBody>
+      </p:sp>
     </p:spTree>
     <p:extLst>
       <p:ext uri="{BB962C8B-B14F-4D97-AF65-F5344CB8AC3E}">
-        <p14:creationId xmlns:p14="http://schemas.microsoft.com/office/powerpoint/2010/main" val="1612915256"/>
-      </p:ext>
-    </p:extLst>
-  </p:cSld>
-  <p:clrMapOvr>
-    <a:masterClrMapping/>
-  </p:clrMapOvr>
-</p:sld>
-</file>
-
-<file path=ppt/slides/slide3.xml><?xml version="1.0" encoding="utf-8"?>
-<p:sld xmlns:a="http://schemas.openxmlformats.org/drawingml/2006/main" xmlns:r="http://schemas.openxmlformats.org/officeDocument/2006/relationships" xmlns:p="http://schemas.openxmlformats.org/presentationml/2006/main">
-  <p:cSld>
-    <p:spTree>
-      <p:nvGrpSpPr>
-        <p:cNvPr id="1" name=""/>
-        <p:cNvGrpSpPr/>
-        <p:nvPr/>
-      </p:nvGrpSpPr>
-      <p:grpSpPr>
-        <a:xfrm>
-          <a:off x="0" y="0"/>
-          <a:ext cx="0" cy="0"/>
-          <a:chOff x="0" y="0"/>
-          <a:chExt cx="0" cy="0"/>
-        </a:xfrm>
-      </p:grpSpPr>
-      <p:pic>
-        <p:nvPicPr>
-          <p:cNvPr id="5" name="Picture 4" descr="A blue and orange logo&#10;&#10;Description automatically generated">
-            <a:extLst>
-              <a:ext uri="{FF2B5EF4-FFF2-40B4-BE49-F238E27FC236}">
-                <a16:creationId xmlns:a16="http://schemas.microsoft.com/office/drawing/2014/main" id="{5526DA06-2673-DAB5-88CB-29488D069486}"/>
-              </a:ext>
-            </a:extLst>
-          </p:cNvPr>
-          <p:cNvPicPr>
-            <a:picLocks noChangeAspect="1"/>
-          </p:cNvPicPr>
-          <p:nvPr/>
-        </p:nvPicPr>
-        <p:blipFill>
-          <a:blip r:embed="rId2"/>
-          <a:stretch>
-            <a:fillRect/>
-          </a:stretch>
-        </p:blipFill>
-        <p:spPr>
-          <a:xfrm>
-            <a:off x="2667000" y="0"/>
-            <a:ext cx="6858000" cy="6858000"/>
-          </a:xfrm>
-          <a:prstGeom prst="rect">
-            <a:avLst/>
-          </a:prstGeom>
-        </p:spPr>
-      </p:pic>
-      <p:sp>
-        <p:nvSpPr>
-          <p:cNvPr id="4" name="Rectangle 3">
-            <a:extLst>
-              <a:ext uri="{FF2B5EF4-FFF2-40B4-BE49-F238E27FC236}">
-                <a16:creationId xmlns:a16="http://schemas.microsoft.com/office/drawing/2014/main" id="{9EA79777-EE71-2575-3713-468C84B0B23B}"/>
-              </a:ext>
-            </a:extLst>
-          </p:cNvPr>
-          <p:cNvSpPr/>
-          <p:nvPr/>
-        </p:nvSpPr>
-        <p:spPr>
-          <a:xfrm>
-            <a:off x="2324549" y="3783719"/>
-            <a:ext cx="7316344" cy="2773198"/>
-          </a:xfrm>
-          <a:prstGeom prst="rect">
-            <a:avLst/>
-          </a:prstGeom>
-          <a:solidFill>
-            <a:schemeClr val="bg1"/>
-          </a:solidFill>
-          <a:ln>
-            <a:solidFill>
-              <a:schemeClr val="bg1"/>
-            </a:solidFill>
-          </a:ln>
-        </p:spPr>
-        <p:style>
-          <a:lnRef idx="2">
-            <a:schemeClr val="accent1">
-              <a:shade val="15000"/>
-            </a:schemeClr>
-          </a:lnRef>
-          <a:fillRef idx="1">
-            <a:schemeClr val="accent1"/>
-          </a:fillRef>
-          <a:effectRef idx="0">
-            <a:schemeClr val="accent1"/>
-          </a:effectRef>
-          <a:fontRef idx="minor">
-            <a:schemeClr val="lt1"/>
-          </a:fontRef>
-        </p:style>
-        <p:txBody>
-          <a:bodyPr rtlCol="0" anchor="ctr"/>
-          <a:lstStyle/>
-          <a:p>
-            <a:pPr algn="ctr"/>
-            <a:endParaRPr lang="en-US" dirty="0"/>
-          </a:p>
-        </p:txBody>
-      </p:sp>
-      <p:pic>
-        <p:nvPicPr>
-          <p:cNvPr id="3" name="Picture 2" descr="A black and white drawing of a chainsaw&#10;&#10;Description automatically generated">
-            <a:extLst>
-              <a:ext uri="{FF2B5EF4-FFF2-40B4-BE49-F238E27FC236}">
-                <a16:creationId xmlns:a16="http://schemas.microsoft.com/office/drawing/2014/main" id="{B15ABB3C-5341-8EDB-CAF1-C6D807D364DF}"/>
-              </a:ext>
-            </a:extLst>
-          </p:cNvPr>
-          <p:cNvPicPr>
-            <a:picLocks noChangeAspect="1"/>
-          </p:cNvPicPr>
-          <p:nvPr/>
-        </p:nvPicPr>
-        <p:blipFill>
-          <a:blip r:embed="rId3"/>
-          <a:stretch>
-            <a:fillRect/>
-          </a:stretch>
-        </p:blipFill>
-        <p:spPr>
-          <a:xfrm>
-            <a:off x="2840840" y="1026368"/>
-            <a:ext cx="6858000" cy="6858000"/>
-          </a:xfrm>
-          <a:prstGeom prst="rect">
-            <a:avLst/>
-          </a:prstGeom>
-        </p:spPr>
-      </p:pic>
-    </p:spTree>
-    <p:extLst>
-      <p:ext uri="{BB962C8B-B14F-4D97-AF65-F5344CB8AC3E}">
-        <p14:creationId xmlns:p14="http://schemas.microsoft.com/office/powerpoint/2010/main" val="4131190222"/>
-      </p:ext>
-    </p:extLst>
-  </p:cSld>
-  <p:clrMapOvr>
-    <a:masterClrMapping/>
-  </p:clrMapOvr>
-</p:sld>
-</file>
-
-<file path=ppt/slides/slide4.xml><?xml version="1.0" encoding="utf-8"?>
-<p:sld xmlns:a="http://schemas.openxmlformats.org/drawingml/2006/main" xmlns:r="http://schemas.openxmlformats.org/officeDocument/2006/relationships" xmlns:p="http://schemas.openxmlformats.org/presentationml/2006/main">
-  <p:cSld>
-    <p:spTree>
-      <p:nvGrpSpPr>
-        <p:cNvPr id="1" name=""/>
-        <p:cNvGrpSpPr/>
-        <p:nvPr/>
-      </p:nvGrpSpPr>
-      <p:grpSpPr>
-        <a:xfrm>
-          <a:off x="0" y="0"/>
-          <a:ext cx="0" cy="0"/>
-          <a:chOff x="0" y="0"/>
-          <a:chExt cx="0" cy="0"/>
-        </a:xfrm>
-      </p:grpSpPr>
-      <p:pic>
-        <p:nvPicPr>
-          <p:cNvPr id="5" name="Picture 4" descr="A blue and orange logo&#10;&#10;Description automatically generated">
-            <a:extLst>
-              <a:ext uri="{FF2B5EF4-FFF2-40B4-BE49-F238E27FC236}">
-                <a16:creationId xmlns:a16="http://schemas.microsoft.com/office/drawing/2014/main" id="{5526DA06-2673-DAB5-88CB-29488D069486}"/>
-              </a:ext>
-            </a:extLst>
-          </p:cNvPr>
-          <p:cNvPicPr>
-            <a:picLocks noChangeAspect="1"/>
-          </p:cNvPicPr>
-          <p:nvPr/>
-        </p:nvPicPr>
-        <p:blipFill>
-          <a:blip r:embed="rId2"/>
-          <a:stretch>
-            <a:fillRect/>
-          </a:stretch>
-        </p:blipFill>
-        <p:spPr>
-          <a:xfrm>
-            <a:off x="2667000" y="0"/>
-            <a:ext cx="6858000" cy="6858000"/>
-          </a:xfrm>
-          <a:prstGeom prst="rect">
-            <a:avLst/>
-          </a:prstGeom>
-        </p:spPr>
-      </p:pic>
-      <p:sp>
-        <p:nvSpPr>
-          <p:cNvPr id="4" name="Rectangle 3">
-            <a:extLst>
-              <a:ext uri="{FF2B5EF4-FFF2-40B4-BE49-F238E27FC236}">
-                <a16:creationId xmlns:a16="http://schemas.microsoft.com/office/drawing/2014/main" id="{9EA79777-EE71-2575-3713-468C84B0B23B}"/>
-              </a:ext>
-            </a:extLst>
-          </p:cNvPr>
-          <p:cNvSpPr/>
-          <p:nvPr/>
-        </p:nvSpPr>
-        <p:spPr>
-          <a:xfrm>
-            <a:off x="2748296" y="3725839"/>
-            <a:ext cx="7316344" cy="3132161"/>
-          </a:xfrm>
-          <a:prstGeom prst="rect">
-            <a:avLst/>
-          </a:prstGeom>
-          <a:solidFill>
-            <a:schemeClr val="bg1"/>
-          </a:solidFill>
-          <a:ln>
-            <a:solidFill>
-              <a:schemeClr val="bg1"/>
-            </a:solidFill>
-          </a:ln>
-        </p:spPr>
-        <p:style>
-          <a:lnRef idx="2">
-            <a:schemeClr val="accent1">
-              <a:shade val="15000"/>
-            </a:schemeClr>
-          </a:lnRef>
-          <a:fillRef idx="1">
-            <a:schemeClr val="accent1"/>
-          </a:fillRef>
-          <a:effectRef idx="0">
-            <a:schemeClr val="accent1"/>
-          </a:effectRef>
-          <a:fontRef idx="minor">
-            <a:schemeClr val="lt1"/>
-          </a:fontRef>
-        </p:style>
-        <p:txBody>
-          <a:bodyPr rtlCol="0" anchor="ctr"/>
-          <a:lstStyle/>
-          <a:p>
-            <a:pPr algn="ctr"/>
-            <a:endParaRPr lang="en-US" dirty="0"/>
-          </a:p>
-        </p:txBody>
-      </p:sp>
-      <p:pic>
-        <p:nvPicPr>
-          <p:cNvPr id="3" name="Graphic 2" descr="Saw with solid fill">
-            <a:extLst>
-              <a:ext uri="{FF2B5EF4-FFF2-40B4-BE49-F238E27FC236}">
-                <a16:creationId xmlns:a16="http://schemas.microsoft.com/office/drawing/2014/main" id="{74832F8C-B6FD-DAC8-9088-BA3EAD11EDB7}"/>
-              </a:ext>
-            </a:extLst>
-          </p:cNvPr>
-          <p:cNvPicPr>
-            <a:picLocks noChangeAspect="1"/>
-          </p:cNvPicPr>
-          <p:nvPr/>
-        </p:nvPicPr>
-        <p:blipFill>
-          <a:blip r:embed="rId3">
-            <a:extLst>
-              <a:ext uri="{96DAC541-7B7A-43D3-8B79-37D633B846F1}">
-                <asvg:svgBlip xmlns:asvg="http://schemas.microsoft.com/office/drawing/2016/SVG/main" r:embed="rId4"/>
-              </a:ext>
-            </a:extLst>
-          </a:blip>
-          <a:stretch>
-            <a:fillRect/>
-          </a:stretch>
-        </p:blipFill>
-        <p:spPr>
-          <a:xfrm rot="2696981">
-            <a:off x="3111565" y="1621942"/>
-            <a:ext cx="5568505" cy="5568505"/>
-          </a:xfrm>
-          <a:prstGeom prst="rect">
-            <a:avLst/>
-          </a:prstGeom>
-        </p:spPr>
-      </p:pic>
-    </p:spTree>
-    <p:extLst>
-      <p:ext uri="{BB962C8B-B14F-4D97-AF65-F5344CB8AC3E}">
-        <p14:creationId xmlns:p14="http://schemas.microsoft.com/office/powerpoint/2010/main" val="1108939046"/>
-      </p:ext>
-    </p:extLst>
-  </p:cSld>
-  <p:clrMapOvr>
-    <a:masterClrMapping/>
-  </p:clrMapOvr>
-</p:sld>
-</file>
-
-<file path=ppt/slides/slide5.xml><?xml version="1.0" encoding="utf-8"?>
-<p:sld xmlns:a="http://schemas.openxmlformats.org/drawingml/2006/main" xmlns:r="http://schemas.openxmlformats.org/officeDocument/2006/relationships" xmlns:p="http://schemas.openxmlformats.org/presentationml/2006/main">
-  <p:cSld>
-    <p:spTree>
-      <p:nvGrpSpPr>
-        <p:cNvPr id="1" name=""/>
-        <p:cNvGrpSpPr/>
-        <p:nvPr/>
-      </p:nvGrpSpPr>
-      <p:grpSpPr>
-        <a:xfrm>
-          <a:off x="0" y="0"/>
-          <a:ext cx="0" cy="0"/>
-          <a:chOff x="0" y="0"/>
-          <a:chExt cx="0" cy="0"/>
-        </a:xfrm>
-      </p:grpSpPr>
-      <p:pic>
-        <p:nvPicPr>
-          <p:cNvPr id="5" name="Picture 4" descr="A blue and orange logo&#10;&#10;Description automatically generated">
-            <a:extLst>
-              <a:ext uri="{FF2B5EF4-FFF2-40B4-BE49-F238E27FC236}">
-                <a16:creationId xmlns:a16="http://schemas.microsoft.com/office/drawing/2014/main" id="{5526DA06-2673-DAB5-88CB-29488D069486}"/>
-              </a:ext>
-            </a:extLst>
-          </p:cNvPr>
-          <p:cNvPicPr>
-            <a:picLocks noChangeAspect="1"/>
-          </p:cNvPicPr>
-          <p:nvPr/>
-        </p:nvPicPr>
-        <p:blipFill>
-          <a:blip r:embed="rId2"/>
-          <a:stretch>
-            <a:fillRect/>
-          </a:stretch>
-        </p:blipFill>
-        <p:spPr>
-          <a:xfrm>
-            <a:off x="2667000" y="0"/>
-            <a:ext cx="6858000" cy="6858000"/>
-          </a:xfrm>
-          <a:prstGeom prst="rect">
-            <a:avLst/>
-          </a:prstGeom>
-        </p:spPr>
-      </p:pic>
-      <p:sp>
-        <p:nvSpPr>
-          <p:cNvPr id="4" name="Rectangle 3">
-            <a:extLst>
-              <a:ext uri="{FF2B5EF4-FFF2-40B4-BE49-F238E27FC236}">
-                <a16:creationId xmlns:a16="http://schemas.microsoft.com/office/drawing/2014/main" id="{9EA79777-EE71-2575-3713-468C84B0B23B}"/>
-              </a:ext>
-            </a:extLst>
-          </p:cNvPr>
-          <p:cNvSpPr/>
-          <p:nvPr/>
-        </p:nvSpPr>
-        <p:spPr>
-          <a:xfrm>
-            <a:off x="2324549" y="3783719"/>
-            <a:ext cx="7316344" cy="2773198"/>
-          </a:xfrm>
-          <a:prstGeom prst="rect">
-            <a:avLst/>
-          </a:prstGeom>
-          <a:solidFill>
-            <a:schemeClr val="bg1"/>
-          </a:solidFill>
-          <a:ln>
-            <a:solidFill>
-              <a:schemeClr val="bg1"/>
-            </a:solidFill>
-          </a:ln>
-        </p:spPr>
-        <p:style>
-          <a:lnRef idx="2">
-            <a:schemeClr val="accent1">
-              <a:shade val="15000"/>
-            </a:schemeClr>
-          </a:lnRef>
-          <a:fillRef idx="1">
-            <a:schemeClr val="accent1"/>
-          </a:fillRef>
-          <a:effectRef idx="0">
-            <a:schemeClr val="accent1"/>
-          </a:effectRef>
-          <a:fontRef idx="minor">
-            <a:schemeClr val="lt1"/>
-          </a:fontRef>
-        </p:style>
-        <p:txBody>
-          <a:bodyPr rtlCol="0" anchor="ctr"/>
-          <a:lstStyle/>
-          <a:p>
-            <a:pPr algn="ctr"/>
-            <a:endParaRPr lang="en-US" dirty="0"/>
-          </a:p>
-        </p:txBody>
-      </p:sp>
-      <p:grpSp>
-        <p:nvGrpSpPr>
-          <p:cNvPr id="15" name="Group 14">
-            <a:extLst>
-              <a:ext uri="{FF2B5EF4-FFF2-40B4-BE49-F238E27FC236}">
-                <a16:creationId xmlns:a16="http://schemas.microsoft.com/office/drawing/2014/main" id="{FADD18F0-EEDB-EDD2-C0C1-5DE53AABCE22}"/>
-              </a:ext>
-            </a:extLst>
-          </p:cNvPr>
-          <p:cNvGrpSpPr/>
-          <p:nvPr/>
-        </p:nvGrpSpPr>
-        <p:grpSpPr>
-          <a:xfrm>
-            <a:off x="3067472" y="3783719"/>
-            <a:ext cx="6076528" cy="2122559"/>
-            <a:chOff x="3445319" y="3783718"/>
-            <a:chExt cx="6159003" cy="2253187"/>
-          </a:xfrm>
-        </p:grpSpPr>
-        <p:pic>
-          <p:nvPicPr>
-            <p:cNvPr id="13" name="Picture 12" descr="A black rectangular object with a white background&#10;&#10;Description automatically generated">
-              <a:extLst>
-                <a:ext uri="{FF2B5EF4-FFF2-40B4-BE49-F238E27FC236}">
-                  <a16:creationId xmlns:a16="http://schemas.microsoft.com/office/drawing/2014/main" id="{51A2F686-C8A9-C979-1679-143D9F7E8A54}"/>
-                </a:ext>
-              </a:extLst>
-            </p:cNvPr>
-            <p:cNvPicPr>
-              <a:picLocks noChangeAspect="1"/>
-            </p:cNvPicPr>
-            <p:nvPr/>
-          </p:nvPicPr>
-          <p:blipFill>
-            <a:blip r:embed="rId3"/>
-            <a:stretch>
-              <a:fillRect/>
-            </a:stretch>
-          </p:blipFill>
-          <p:spPr>
-            <a:xfrm>
-              <a:off x="3809252" y="3783718"/>
-              <a:ext cx="5795070" cy="2253187"/>
-            </a:xfrm>
-            <a:prstGeom prst="rect">
-              <a:avLst/>
-            </a:prstGeom>
-          </p:spPr>
-        </p:pic>
-        <p:sp>
-          <p:nvSpPr>
-            <p:cNvPr id="14" name="Rectangle 13">
-              <a:extLst>
-                <a:ext uri="{FF2B5EF4-FFF2-40B4-BE49-F238E27FC236}">
-                  <a16:creationId xmlns:a16="http://schemas.microsoft.com/office/drawing/2014/main" id="{ED56D3A7-50D8-5323-69EF-B6A38C2EA500}"/>
-                </a:ext>
-              </a:extLst>
-            </p:cNvPr>
-            <p:cNvSpPr/>
-            <p:nvPr/>
-          </p:nvSpPr>
-          <p:spPr>
-            <a:xfrm>
-              <a:off x="3445319" y="3783719"/>
-              <a:ext cx="459638" cy="2253186"/>
-            </a:xfrm>
-            <a:prstGeom prst="rect">
-              <a:avLst/>
-            </a:prstGeom>
-            <a:solidFill>
-              <a:schemeClr val="bg1"/>
-            </a:solidFill>
-            <a:ln>
-              <a:solidFill>
-                <a:schemeClr val="bg1"/>
-              </a:solidFill>
-            </a:ln>
-          </p:spPr>
-          <p:style>
-            <a:lnRef idx="2">
-              <a:schemeClr val="accent1">
-                <a:shade val="15000"/>
-              </a:schemeClr>
-            </a:lnRef>
-            <a:fillRef idx="1">
-              <a:schemeClr val="accent1"/>
-            </a:fillRef>
-            <a:effectRef idx="0">
-              <a:schemeClr val="accent1"/>
-            </a:effectRef>
-            <a:fontRef idx="minor">
-              <a:schemeClr val="lt1"/>
-            </a:fontRef>
-          </p:style>
-          <p:txBody>
-            <a:bodyPr rtlCol="0" anchor="ctr"/>
-            <a:lstStyle/>
-            <a:p>
-              <a:pPr algn="ctr"/>
-              <a:endParaRPr lang="en-US"/>
-            </a:p>
-          </p:txBody>
-        </p:sp>
-      </p:grpSp>
-    </p:spTree>
-    <p:extLst>
-      <p:ext uri="{BB962C8B-B14F-4D97-AF65-F5344CB8AC3E}">
-        <p14:creationId xmlns:p14="http://schemas.microsoft.com/office/powerpoint/2010/main" val="1831863415"/>
-      </p:ext>
-    </p:extLst>
-  </p:cSld>
-  <p:clrMapOvr>
-    <a:masterClrMapping/>
-  </p:clrMapOvr>
-</p:sld>
-</file>
-
-<file path=ppt/slides/slide6.xml><?xml version="1.0" encoding="utf-8"?>
-<p:sld xmlns:a="http://schemas.openxmlformats.org/drawingml/2006/main" xmlns:r="http://schemas.openxmlformats.org/officeDocument/2006/relationships" xmlns:p="http://schemas.openxmlformats.org/presentationml/2006/main">
-  <p:cSld>
-    <p:spTree>
-      <p:nvGrpSpPr>
-        <p:cNvPr id="1" name=""/>
-        <p:cNvGrpSpPr/>
-        <p:nvPr/>
-      </p:nvGrpSpPr>
-      <p:grpSpPr>
-        <a:xfrm>
-          <a:off x="0" y="0"/>
-          <a:ext cx="0" cy="0"/>
-          <a:chOff x="0" y="0"/>
-          <a:chExt cx="0" cy="0"/>
-        </a:xfrm>
-      </p:grpSpPr>
-      <p:pic>
-        <p:nvPicPr>
-          <p:cNvPr id="5" name="Picture 4" descr="A logo of a tool&#10;&#10;Description automatically generated">
-            <a:extLst>
-              <a:ext uri="{FF2B5EF4-FFF2-40B4-BE49-F238E27FC236}">
-                <a16:creationId xmlns:a16="http://schemas.microsoft.com/office/drawing/2014/main" id="{7F118B9A-A5D9-84D0-1E47-0B1C3E9410BE}"/>
-              </a:ext>
-            </a:extLst>
-          </p:cNvPr>
-          <p:cNvPicPr>
-            <a:picLocks noChangeAspect="1"/>
-          </p:cNvPicPr>
-          <p:nvPr/>
-        </p:nvPicPr>
-        <p:blipFill>
-          <a:blip r:embed="rId2"/>
-          <a:stretch>
-            <a:fillRect/>
-          </a:stretch>
-        </p:blipFill>
-        <p:spPr>
-          <a:xfrm>
-            <a:off x="2662529" y="0"/>
-            <a:ext cx="6866941" cy="6858000"/>
-          </a:xfrm>
-          <a:prstGeom prst="rect">
-            <a:avLst/>
-          </a:prstGeom>
-        </p:spPr>
-      </p:pic>
-    </p:spTree>
-    <p:extLst>
-      <p:ext uri="{BB962C8B-B14F-4D97-AF65-F5344CB8AC3E}">
-        <p14:creationId xmlns:p14="http://schemas.microsoft.com/office/powerpoint/2010/main" val="3874077130"/>
+        <p14:creationId xmlns:p14="http://schemas.microsoft.com/office/powerpoint/2010/main" val="1254033919"/>
       </p:ext>
     </p:extLst>
   </p:cSld>
